--- a/UML/ACS560 UML Presentation.pptx
+++ b/UML/ACS560 UML Presentation.pptx
@@ -4270,6 +4270,13 @@
   <p:clrMapOvr>
     <a:masterClrMapping/>
   </p:clrMapOvr>
+  <p:timing>
+    <p:tnLst>
+      <p:par>
+        <p:cTn xmlns:p14="http://schemas.microsoft.com/office/powerpoint/2010/main" id="1" dur="indefinite" restart="never" nodeType="tmRoot"/>
+      </p:par>
+    </p:tnLst>
+  </p:timing>
 </p:sld>
 </file>
 
@@ -4407,7 +4414,7 @@
       </p:sp>
       <p:pic>
         <p:nvPicPr>
-          <p:cNvPr id="3" name="Picture 2" descr="ClientClassDiagram_Pretty.png"/>
+          <p:cNvPr id="4" name="Picture 3" descr="ClientClassDiagram.png"/>
           <p:cNvPicPr>
             <a:picLocks noChangeAspect="1"/>
           </p:cNvPicPr>
@@ -4427,14 +4434,40 @@
         </p:blipFill>
         <p:spPr>
           <a:xfrm>
-            <a:off x="1527225" y="1444532"/>
-            <a:ext cx="6189960" cy="5413468"/>
+            <a:off x="0" y="2048453"/>
+            <a:ext cx="9144000" cy="3967397"/>
           </a:xfrm>
           <a:prstGeom prst="rect">
             <a:avLst/>
           </a:prstGeom>
         </p:spPr>
       </p:pic>
+      <p:sp>
+        <p:nvSpPr>
+          <p:cNvPr id="6" name="TextBox 5"/>
+          <p:cNvSpPr txBox="1"/>
+          <p:nvPr/>
+        </p:nvSpPr>
+        <p:spPr>
+          <a:xfrm>
+            <a:off x="9967115" y="2526450"/>
+            <a:ext cx="184666" cy="369332"/>
+          </a:xfrm>
+          <a:prstGeom prst="rect">
+            <a:avLst/>
+          </a:prstGeom>
+          <a:noFill/>
+        </p:spPr>
+        <p:txBody>
+          <a:bodyPr wrap="none" rtlCol="0">
+            <a:spAutoFit/>
+          </a:bodyPr>
+          <a:lstStyle/>
+          <a:p>
+            <a:endParaRPr lang="en-US"/>
+          </a:p>
+        </p:txBody>
+      </p:sp>
     </p:spTree>
     <p:extLst>
       <p:ext uri="{BB962C8B-B14F-4D97-AF65-F5344CB8AC3E}">
